--- a/experiments/plots.pptx
+++ b/experiments/plots.pptx
@@ -6,8 +6,9 @@
   </p:sldMasterIdLst>
   <p:sldIdLst>
     <p:sldId id="256" r:id="rId2"/>
-    <p:sldId id="257" r:id="rId3"/>
-    <p:sldId id="258" r:id="rId4"/>
+    <p:sldId id="259" r:id="rId3"/>
+    <p:sldId id="257" r:id="rId4"/>
+    <p:sldId id="258" r:id="rId5"/>
   </p:sldIdLst>
   <p:sldSz cx="12192000" cy="6858000"/>
   <p:notesSz cx="6858000" cy="9144000"/>
@@ -261,7 +262,7 @@
           <a:p>
             <a:fld id="{920D06D6-37DF-4148-A103-6D26D785D127}" type="datetimeFigureOut">
               <a:rPr lang="zh-CN" altLang="en-US" smtClean="0"/>
-              <a:t>2023/8/17</a:t>
+              <a:t>2023/8/25</a:t>
             </a:fld>
             <a:endParaRPr lang="zh-CN" altLang="en-US"/>
           </a:p>
@@ -459,7 +460,7 @@
           <a:p>
             <a:fld id="{920D06D6-37DF-4148-A103-6D26D785D127}" type="datetimeFigureOut">
               <a:rPr lang="zh-CN" altLang="en-US" smtClean="0"/>
-              <a:t>2023/8/17</a:t>
+              <a:t>2023/8/25</a:t>
             </a:fld>
             <a:endParaRPr lang="zh-CN" altLang="en-US"/>
           </a:p>
@@ -667,7 +668,7 @@
           <a:p>
             <a:fld id="{920D06D6-37DF-4148-A103-6D26D785D127}" type="datetimeFigureOut">
               <a:rPr lang="zh-CN" altLang="en-US" smtClean="0"/>
-              <a:t>2023/8/17</a:t>
+              <a:t>2023/8/25</a:t>
             </a:fld>
             <a:endParaRPr lang="zh-CN" altLang="en-US"/>
           </a:p>
@@ -865,7 +866,7 @@
           <a:p>
             <a:fld id="{920D06D6-37DF-4148-A103-6D26D785D127}" type="datetimeFigureOut">
               <a:rPr lang="zh-CN" altLang="en-US" smtClean="0"/>
-              <a:t>2023/8/17</a:t>
+              <a:t>2023/8/25</a:t>
             </a:fld>
             <a:endParaRPr lang="zh-CN" altLang="en-US"/>
           </a:p>
@@ -1140,7 +1141,7 @@
           <a:p>
             <a:fld id="{920D06D6-37DF-4148-A103-6D26D785D127}" type="datetimeFigureOut">
               <a:rPr lang="zh-CN" altLang="en-US" smtClean="0"/>
-              <a:t>2023/8/17</a:t>
+              <a:t>2023/8/25</a:t>
             </a:fld>
             <a:endParaRPr lang="zh-CN" altLang="en-US"/>
           </a:p>
@@ -1405,7 +1406,7 @@
           <a:p>
             <a:fld id="{920D06D6-37DF-4148-A103-6D26D785D127}" type="datetimeFigureOut">
               <a:rPr lang="zh-CN" altLang="en-US" smtClean="0"/>
-              <a:t>2023/8/17</a:t>
+              <a:t>2023/8/25</a:t>
             </a:fld>
             <a:endParaRPr lang="zh-CN" altLang="en-US"/>
           </a:p>
@@ -1817,7 +1818,7 @@
           <a:p>
             <a:fld id="{920D06D6-37DF-4148-A103-6D26D785D127}" type="datetimeFigureOut">
               <a:rPr lang="zh-CN" altLang="en-US" smtClean="0"/>
-              <a:t>2023/8/17</a:t>
+              <a:t>2023/8/25</a:t>
             </a:fld>
             <a:endParaRPr lang="zh-CN" altLang="en-US"/>
           </a:p>
@@ -1958,7 +1959,7 @@
           <a:p>
             <a:fld id="{920D06D6-37DF-4148-A103-6D26D785D127}" type="datetimeFigureOut">
               <a:rPr lang="zh-CN" altLang="en-US" smtClean="0"/>
-              <a:t>2023/8/17</a:t>
+              <a:t>2023/8/25</a:t>
             </a:fld>
             <a:endParaRPr lang="zh-CN" altLang="en-US"/>
           </a:p>
@@ -2071,7 +2072,7 @@
           <a:p>
             <a:fld id="{920D06D6-37DF-4148-A103-6D26D785D127}" type="datetimeFigureOut">
               <a:rPr lang="zh-CN" altLang="en-US" smtClean="0"/>
-              <a:t>2023/8/17</a:t>
+              <a:t>2023/8/25</a:t>
             </a:fld>
             <a:endParaRPr lang="zh-CN" altLang="en-US"/>
           </a:p>
@@ -2382,7 +2383,7 @@
           <a:p>
             <a:fld id="{920D06D6-37DF-4148-A103-6D26D785D127}" type="datetimeFigureOut">
               <a:rPr lang="zh-CN" altLang="en-US" smtClean="0"/>
-              <a:t>2023/8/17</a:t>
+              <a:t>2023/8/25</a:t>
             </a:fld>
             <a:endParaRPr lang="zh-CN" altLang="en-US"/>
           </a:p>
@@ -2670,7 +2671,7 @@
           <a:p>
             <a:fld id="{920D06D6-37DF-4148-A103-6D26D785D127}" type="datetimeFigureOut">
               <a:rPr lang="zh-CN" altLang="en-US" smtClean="0"/>
-              <a:t>2023/8/17</a:t>
+              <a:t>2023/8/25</a:t>
             </a:fld>
             <a:endParaRPr lang="zh-CN" altLang="en-US"/>
           </a:p>
@@ -2911,7 +2912,7 @@
           <a:p>
             <a:fld id="{920D06D6-37DF-4148-A103-6D26D785D127}" type="datetimeFigureOut">
               <a:rPr lang="zh-CN" altLang="en-US" smtClean="0"/>
-              <a:t>2023/8/17</a:t>
+              <a:t>2023/8/25</a:t>
             </a:fld>
             <a:endParaRPr lang="zh-CN" altLang="en-US"/>
           </a:p>
@@ -5242,6 +5243,1861 @@
           <p:cNvPr id="4" name="组合 3">
             <a:extLst>
               <a:ext uri="{FF2B5EF4-FFF2-40B4-BE49-F238E27FC236}">
+                <a16:creationId xmlns:a16="http://schemas.microsoft.com/office/drawing/2014/main" id="{F87FD598-92AA-8E99-D219-3E9BF931826F}"/>
+              </a:ext>
+            </a:extLst>
+          </p:cNvPr>
+          <p:cNvGrpSpPr/>
+          <p:nvPr/>
+        </p:nvGrpSpPr>
+        <p:grpSpPr>
+          <a:xfrm>
+            <a:off x="2120606" y="1467466"/>
+            <a:ext cx="7597031" cy="2287129"/>
+            <a:chOff x="2449790" y="1001122"/>
+            <a:chExt cx="7597031" cy="2287129"/>
+          </a:xfrm>
+        </p:grpSpPr>
+        <p:sp>
+          <p:nvSpPr>
+            <p:cNvPr id="5" name="文本框 4">
+              <a:extLst>
+                <a:ext uri="{FF2B5EF4-FFF2-40B4-BE49-F238E27FC236}">
+                  <a16:creationId xmlns:a16="http://schemas.microsoft.com/office/drawing/2014/main" id="{F8F8B348-782B-AF97-21DE-00D50B128DF8}"/>
+                </a:ext>
+              </a:extLst>
+            </p:cNvPr>
+            <p:cNvSpPr txBox="1">
+              <a:spLocks/>
+            </p:cNvSpPr>
+            <p:nvPr/>
+          </p:nvSpPr>
+          <p:spPr>
+            <a:xfrm>
+              <a:off x="4081563" y="1154437"/>
+              <a:ext cx="1111199" cy="338554"/>
+            </a:xfrm>
+            <a:prstGeom prst="rect">
+              <a:avLst/>
+            </a:prstGeom>
+            <a:noFill/>
+          </p:spPr>
+          <p:txBody>
+            <a:bodyPr wrap="square">
+              <a:spAutoFit/>
+            </a:bodyPr>
+            <a:lstStyle/>
+            <a:p>
+              <a:pPr algn="ctr"/>
+              <a:r>
+                <a:rPr lang="zh-CN" altLang="en-US" sz="1600" dirty="0">
+                  <a:latin typeface="Calibri" panose="020F0502020204030204" pitchFamily="34" charset="0"/>
+                  <a:ea typeface="等线" panose="02010600030101010101" pitchFamily="2" charset="-122"/>
+                  <a:cs typeface="Calibri" panose="020F0502020204030204" pitchFamily="34" charset="0"/>
+                </a:rPr>
+                <a:t>Crawling</a:t>
+              </a:r>
+            </a:p>
+          </p:txBody>
+        </p:sp>
+        <p:cxnSp>
+          <p:nvCxnSpPr>
+            <p:cNvPr id="6" name="直接箭头连接符 5">
+              <a:extLst>
+                <a:ext uri="{FF2B5EF4-FFF2-40B4-BE49-F238E27FC236}">
+                  <a16:creationId xmlns:a16="http://schemas.microsoft.com/office/drawing/2014/main" id="{00184B60-CC3D-6495-B39F-160DA3898F88}"/>
+                </a:ext>
+              </a:extLst>
+            </p:cNvPr>
+            <p:cNvCxnSpPr>
+              <a:cxnSpLocks/>
+              <a:stCxn id="25" idx="3"/>
+              <a:endCxn id="14" idx="1"/>
+            </p:cNvCxnSpPr>
+            <p:nvPr/>
+          </p:nvCxnSpPr>
+          <p:spPr>
+            <a:xfrm flipV="1">
+              <a:off x="3764591" y="1506195"/>
+              <a:ext cx="1732656" cy="1"/>
+            </a:xfrm>
+            <a:prstGeom prst="straightConnector1">
+              <a:avLst/>
+            </a:prstGeom>
+            <a:ln w="19050">
+              <a:tailEnd type="triangle"/>
+            </a:ln>
+          </p:spPr>
+          <p:style>
+            <a:lnRef idx="1">
+              <a:schemeClr val="dk1"/>
+            </a:lnRef>
+            <a:fillRef idx="0">
+              <a:schemeClr val="dk1"/>
+            </a:fillRef>
+            <a:effectRef idx="0">
+              <a:schemeClr val="dk1"/>
+            </a:effectRef>
+            <a:fontRef idx="minor">
+              <a:schemeClr val="tx1"/>
+            </a:fontRef>
+          </p:style>
+        </p:cxnSp>
+        <p:sp>
+          <p:nvSpPr>
+            <p:cNvPr id="7" name="流程图: 磁盘 6">
+              <a:extLst>
+                <a:ext uri="{FF2B5EF4-FFF2-40B4-BE49-F238E27FC236}">
+                  <a16:creationId xmlns:a16="http://schemas.microsoft.com/office/drawing/2014/main" id="{8AD567B5-712B-E9D6-4CE1-1029138474BB}"/>
+                </a:ext>
+              </a:extLst>
+            </p:cNvPr>
+            <p:cNvSpPr>
+              <a:spLocks/>
+            </p:cNvSpPr>
+            <p:nvPr/>
+          </p:nvSpPr>
+          <p:spPr>
+            <a:xfrm>
+              <a:off x="8719714" y="2282461"/>
+              <a:ext cx="1272248" cy="800535"/>
+            </a:xfrm>
+            <a:prstGeom prst="flowChartMagneticDisk">
+              <a:avLst/>
+            </a:prstGeom>
+            <a:solidFill>
+              <a:schemeClr val="accent1">
+                <a:lumMod val="20000"/>
+                <a:lumOff val="80000"/>
+              </a:schemeClr>
+            </a:solidFill>
+            <a:ln>
+              <a:solidFill>
+                <a:schemeClr val="accent1">
+                  <a:lumMod val="60000"/>
+                  <a:lumOff val="40000"/>
+                </a:schemeClr>
+              </a:solidFill>
+            </a:ln>
+          </p:spPr>
+          <p:style>
+            <a:lnRef idx="2">
+              <a:schemeClr val="accent1">
+                <a:shade val="50000"/>
+              </a:schemeClr>
+            </a:lnRef>
+            <a:fillRef idx="1">
+              <a:schemeClr val="accent1"/>
+            </a:fillRef>
+            <a:effectRef idx="0">
+              <a:schemeClr val="accent1"/>
+            </a:effectRef>
+            <a:fontRef idx="minor">
+              <a:schemeClr val="lt1"/>
+            </a:fontRef>
+          </p:style>
+          <p:txBody>
+            <a:bodyPr rtlCol="0" anchor="ctr"/>
+            <a:lstStyle/>
+            <a:p>
+              <a:pPr algn="ctr"/>
+              <a:r>
+                <a:rPr lang="en-US" altLang="zh-CN" sz="1600" dirty="0">
+                  <a:solidFill>
+                    <a:schemeClr val="tx1"/>
+                  </a:solidFill>
+                  <a:latin typeface="Calibri" panose="020F0502020204030204" pitchFamily="34" charset="0"/>
+                  <a:ea typeface="等线" panose="02010600030101010101" pitchFamily="2" charset="-122"/>
+                  <a:cs typeface="Calibri" panose="020F0502020204030204" pitchFamily="34" charset="0"/>
+                </a:rPr>
+                <a:t>Inverted Index</a:t>
+              </a:r>
+              <a:endParaRPr lang="zh-CN" altLang="en-US" sz="1600" dirty="0">
+                <a:solidFill>
+                  <a:schemeClr val="tx1"/>
+                </a:solidFill>
+                <a:latin typeface="Calibri" panose="020F0502020204030204" pitchFamily="34" charset="0"/>
+                <a:ea typeface="等线" panose="02010600030101010101" pitchFamily="2" charset="-122"/>
+                <a:cs typeface="Calibri" panose="020F0502020204030204" pitchFamily="34" charset="0"/>
+              </a:endParaRPr>
+            </a:p>
+          </p:txBody>
+        </p:sp>
+        <p:pic>
+          <p:nvPicPr>
+            <p:cNvPr id="8" name="图形 7" descr="用户 纯色填充">
+              <a:extLst>
+                <a:ext uri="{FF2B5EF4-FFF2-40B4-BE49-F238E27FC236}">
+                  <a16:creationId xmlns:a16="http://schemas.microsoft.com/office/drawing/2014/main" id="{4E6C87EF-000F-C866-5F7A-261AEB2B1AC7}"/>
+                </a:ext>
+              </a:extLst>
+            </p:cNvPr>
+            <p:cNvPicPr>
+              <a:picLocks noChangeAspect="1"/>
+            </p:cNvPicPr>
+            <p:nvPr/>
+          </p:nvPicPr>
+          <p:blipFill>
+            <a:blip r:embed="rId2">
+              <a:extLst>
+                <a:ext uri="{28A0092B-C50C-407E-A947-70E740481C1C}">
+                  <a14:useLocalDpi xmlns:a14="http://schemas.microsoft.com/office/drawing/2010/main" val="0"/>
+                </a:ext>
+                <a:ext uri="{96DAC541-7B7A-43D3-8B79-37D633B846F1}">
+                  <asvg:svgBlip xmlns:asvg="http://schemas.microsoft.com/office/drawing/2016/SVG/main" r:embed="rId3"/>
+                </a:ext>
+              </a:extLst>
+            </a:blip>
+            <a:stretch>
+              <a:fillRect/>
+            </a:stretch>
+          </p:blipFill>
+          <p:spPr>
+            <a:xfrm>
+              <a:off x="2716180" y="2266880"/>
+              <a:ext cx="831696" cy="831696"/>
+            </a:xfrm>
+            <a:prstGeom prst="rect">
+              <a:avLst/>
+            </a:prstGeom>
+          </p:spPr>
+        </p:pic>
+        <p:grpSp>
+          <p:nvGrpSpPr>
+            <p:cNvPr id="9" name="组合 8">
+              <a:extLst>
+                <a:ext uri="{FF2B5EF4-FFF2-40B4-BE49-F238E27FC236}">
+                  <a16:creationId xmlns:a16="http://schemas.microsoft.com/office/drawing/2014/main" id="{57EF8D0E-290B-7D5E-71F2-FEE090340493}"/>
+                </a:ext>
+              </a:extLst>
+            </p:cNvPr>
+            <p:cNvGrpSpPr/>
+            <p:nvPr/>
+          </p:nvGrpSpPr>
+          <p:grpSpPr>
+            <a:xfrm>
+              <a:off x="5011096" y="2062034"/>
+              <a:ext cx="3378396" cy="1226217"/>
+              <a:chOff x="4489888" y="2062034"/>
+              <a:chExt cx="3378396" cy="1226217"/>
+            </a:xfrm>
+          </p:grpSpPr>
+          <p:sp>
+            <p:nvSpPr>
+              <p:cNvPr id="34" name="矩形: 圆角 33">
+                <a:extLst>
+                  <a:ext uri="{FF2B5EF4-FFF2-40B4-BE49-F238E27FC236}">
+                    <a16:creationId xmlns:a16="http://schemas.microsoft.com/office/drawing/2014/main" id="{CF46DDAC-96C2-5036-0208-B245DD82BB39}"/>
+                  </a:ext>
+                </a:extLst>
+              </p:cNvPr>
+              <p:cNvSpPr>
+                <a:spLocks/>
+              </p:cNvSpPr>
+              <p:nvPr/>
+            </p:nvSpPr>
+            <p:spPr>
+              <a:xfrm>
+                <a:off x="4489888" y="2077206"/>
+                <a:ext cx="3378396" cy="1211045"/>
+              </a:xfrm>
+              <a:prstGeom prst="roundRect">
+                <a:avLst/>
+              </a:prstGeom>
+              <a:solidFill>
+                <a:schemeClr val="accent6">
+                  <a:lumMod val="20000"/>
+                  <a:lumOff val="80000"/>
+                </a:schemeClr>
+              </a:solidFill>
+              <a:ln>
+                <a:solidFill>
+                  <a:schemeClr val="accent6">
+                    <a:lumMod val="60000"/>
+                    <a:lumOff val="40000"/>
+                  </a:schemeClr>
+                </a:solidFill>
+              </a:ln>
+            </p:spPr>
+            <p:style>
+              <a:lnRef idx="2">
+                <a:schemeClr val="accent1">
+                  <a:shade val="50000"/>
+                </a:schemeClr>
+              </a:lnRef>
+              <a:fillRef idx="1">
+                <a:schemeClr val="accent1"/>
+              </a:fillRef>
+              <a:effectRef idx="0">
+                <a:schemeClr val="accent1"/>
+              </a:effectRef>
+              <a:fontRef idx="minor">
+                <a:schemeClr val="lt1"/>
+              </a:fontRef>
+            </p:style>
+            <p:txBody>
+              <a:bodyPr rtlCol="0" anchor="ctr"/>
+              <a:lstStyle/>
+              <a:p>
+                <a:pPr algn="ctr"/>
+                <a:endParaRPr lang="zh-CN" altLang="en-US" dirty="0">
+                  <a:latin typeface="Calibri" panose="020F0502020204030204" pitchFamily="34" charset="0"/>
+                  <a:ea typeface="等线" panose="02010600030101010101" pitchFamily="2" charset="-122"/>
+                  <a:cs typeface="Calibri" panose="020F0502020204030204" pitchFamily="34" charset="0"/>
+                </a:endParaRPr>
+              </a:p>
+            </p:txBody>
+          </p:sp>
+          <p:sp>
+            <p:nvSpPr>
+              <p:cNvPr id="35" name="文本框 34">
+                <a:extLst>
+                  <a:ext uri="{FF2B5EF4-FFF2-40B4-BE49-F238E27FC236}">
+                    <a16:creationId xmlns:a16="http://schemas.microsoft.com/office/drawing/2014/main" id="{A9DBDA2F-733A-042F-637D-20494F8C00CA}"/>
+                  </a:ext>
+                </a:extLst>
+              </p:cNvPr>
+              <p:cNvSpPr txBox="1">
+                <a:spLocks/>
+              </p:cNvSpPr>
+              <p:nvPr/>
+            </p:nvSpPr>
+            <p:spPr>
+              <a:xfrm>
+                <a:off x="5351787" y="2062034"/>
+                <a:ext cx="1645888" cy="338554"/>
+              </a:xfrm>
+              <a:prstGeom prst="rect">
+                <a:avLst/>
+              </a:prstGeom>
+              <a:noFill/>
+            </p:spPr>
+            <p:txBody>
+              <a:bodyPr wrap="square">
+                <a:spAutoFit/>
+              </a:bodyPr>
+              <a:lstStyle/>
+              <a:p>
+                <a:pPr algn="ctr"/>
+                <a:r>
+                  <a:rPr lang="en-US" altLang="zh-CN" sz="1600" b="1" dirty="0">
+                    <a:latin typeface="Calibri" panose="020F0502020204030204" pitchFamily="34" charset="0"/>
+                    <a:ea typeface="等线" panose="02010600030101010101" pitchFamily="2" charset="-122"/>
+                    <a:cs typeface="Calibri" panose="020F0502020204030204" pitchFamily="34" charset="0"/>
+                  </a:rPr>
+                  <a:t>Dataset Search</a:t>
+                </a:r>
+                <a:endParaRPr lang="zh-CN" altLang="en-US" sz="1600" b="1" dirty="0">
+                  <a:latin typeface="Calibri" panose="020F0502020204030204" pitchFamily="34" charset="0"/>
+                  <a:ea typeface="等线" panose="02010600030101010101" pitchFamily="2" charset="-122"/>
+                  <a:cs typeface="Calibri" panose="020F0502020204030204" pitchFamily="34" charset="0"/>
+                </a:endParaRPr>
+              </a:p>
+            </p:txBody>
+          </p:sp>
+          <p:grpSp>
+            <p:nvGrpSpPr>
+              <p:cNvPr id="36" name="组合 35">
+                <a:extLst>
+                  <a:ext uri="{FF2B5EF4-FFF2-40B4-BE49-F238E27FC236}">
+                    <a16:creationId xmlns:a16="http://schemas.microsoft.com/office/drawing/2014/main" id="{4185A088-CE33-4A7F-A099-25EA30CA9A6A}"/>
+                  </a:ext>
+                </a:extLst>
+              </p:cNvPr>
+              <p:cNvGrpSpPr/>
+              <p:nvPr/>
+            </p:nvGrpSpPr>
+            <p:grpSpPr>
+              <a:xfrm>
+                <a:off x="4650546" y="2358454"/>
+                <a:ext cx="3057080" cy="480408"/>
+                <a:chOff x="4618634" y="2674213"/>
+                <a:chExt cx="3057080" cy="480408"/>
+              </a:xfrm>
+            </p:grpSpPr>
+            <p:sp>
+              <p:nvSpPr>
+                <p:cNvPr id="38" name="矩形: 圆角 37">
+                  <a:extLst>
+                    <a:ext uri="{FF2B5EF4-FFF2-40B4-BE49-F238E27FC236}">
+                      <a16:creationId xmlns:a16="http://schemas.microsoft.com/office/drawing/2014/main" id="{B4DEEB4F-4CBC-DD2E-B7A2-F8E514D7930E}"/>
+                    </a:ext>
+                  </a:extLst>
+                </p:cNvPr>
+                <p:cNvSpPr>
+                  <a:spLocks/>
+                </p:cNvSpPr>
+                <p:nvPr/>
+              </p:nvSpPr>
+              <p:spPr>
+                <a:xfrm>
+                  <a:off x="4618634" y="2674214"/>
+                  <a:ext cx="1443109" cy="480407"/>
+                </a:xfrm>
+                <a:prstGeom prst="roundRect">
+                  <a:avLst/>
+                </a:prstGeom>
+                <a:solidFill>
+                  <a:schemeClr val="accent6">
+                    <a:lumMod val="40000"/>
+                    <a:lumOff val="60000"/>
+                  </a:schemeClr>
+                </a:solidFill>
+                <a:ln>
+                  <a:solidFill>
+                    <a:schemeClr val="accent6">
+                      <a:lumMod val="60000"/>
+                      <a:lumOff val="40000"/>
+                    </a:schemeClr>
+                  </a:solidFill>
+                </a:ln>
+              </p:spPr>
+              <p:style>
+                <a:lnRef idx="2">
+                  <a:schemeClr val="accent1">
+                    <a:shade val="50000"/>
+                  </a:schemeClr>
+                </a:lnRef>
+                <a:fillRef idx="1">
+                  <a:schemeClr val="accent1"/>
+                </a:fillRef>
+                <a:effectRef idx="0">
+                  <a:schemeClr val="accent1"/>
+                </a:effectRef>
+                <a:fontRef idx="minor">
+                  <a:schemeClr val="lt1"/>
+                </a:fontRef>
+              </p:style>
+              <p:txBody>
+                <a:bodyPr rtlCol="0" anchor="ctr"/>
+                <a:lstStyle/>
+                <a:p>
+                  <a:pPr algn="ctr"/>
+                  <a:r>
+                    <a:rPr lang="en-US" altLang="zh-CN" sz="1400" dirty="0">
+                      <a:solidFill>
+                        <a:schemeClr val="tx1"/>
+                      </a:solidFill>
+                      <a:latin typeface="Calibri" panose="020F0502020204030204" pitchFamily="34" charset="0"/>
+                      <a:ea typeface="等线" panose="02010600030101010101" pitchFamily="2" charset="-122"/>
+                      <a:cs typeface="Calibri" panose="020F0502020204030204" pitchFamily="34" charset="0"/>
+                    </a:rPr>
+                    <a:t>Keyword-Based Retrieval</a:t>
+                  </a:r>
+                  <a:endParaRPr lang="zh-CN" altLang="en-US" sz="1400" dirty="0">
+                    <a:solidFill>
+                      <a:schemeClr val="tx1"/>
+                    </a:solidFill>
+                    <a:latin typeface="Calibri" panose="020F0502020204030204" pitchFamily="34" charset="0"/>
+                    <a:ea typeface="等线" panose="02010600030101010101" pitchFamily="2" charset="-122"/>
+                    <a:cs typeface="Calibri" panose="020F0502020204030204" pitchFamily="34" charset="0"/>
+                  </a:endParaRPr>
+                </a:p>
+              </p:txBody>
+            </p:sp>
+            <p:sp>
+              <p:nvSpPr>
+                <p:cNvPr id="39" name="矩形: 圆角 38">
+                  <a:extLst>
+                    <a:ext uri="{FF2B5EF4-FFF2-40B4-BE49-F238E27FC236}">
+                      <a16:creationId xmlns:a16="http://schemas.microsoft.com/office/drawing/2014/main" id="{15DAC0A1-4C2B-0C02-E2C5-6D0307B5A78B}"/>
+                    </a:ext>
+                  </a:extLst>
+                </p:cNvPr>
+                <p:cNvSpPr>
+                  <a:spLocks/>
+                </p:cNvSpPr>
+                <p:nvPr/>
+              </p:nvSpPr>
+              <p:spPr>
+                <a:xfrm>
+                  <a:off x="6232604" y="2674213"/>
+                  <a:ext cx="1443110" cy="480407"/>
+                </a:xfrm>
+                <a:prstGeom prst="roundRect">
+                  <a:avLst/>
+                </a:prstGeom>
+                <a:solidFill>
+                  <a:schemeClr val="accent6">
+                    <a:lumMod val="40000"/>
+                    <a:lumOff val="60000"/>
+                  </a:schemeClr>
+                </a:solidFill>
+                <a:ln>
+                  <a:solidFill>
+                    <a:schemeClr val="accent6">
+                      <a:lumMod val="60000"/>
+                      <a:lumOff val="40000"/>
+                    </a:schemeClr>
+                  </a:solidFill>
+                </a:ln>
+              </p:spPr>
+              <p:style>
+                <a:lnRef idx="2">
+                  <a:schemeClr val="accent1">
+                    <a:shade val="50000"/>
+                  </a:schemeClr>
+                </a:lnRef>
+                <a:fillRef idx="1">
+                  <a:schemeClr val="accent1"/>
+                </a:fillRef>
+                <a:effectRef idx="0">
+                  <a:schemeClr val="accent1"/>
+                </a:effectRef>
+                <a:fontRef idx="minor">
+                  <a:schemeClr val="lt1"/>
+                </a:fontRef>
+              </p:style>
+              <p:txBody>
+                <a:bodyPr rtlCol="0" anchor="ctr"/>
+                <a:lstStyle/>
+                <a:p>
+                  <a:pPr algn="ctr"/>
+                  <a:r>
+                    <a:rPr lang="en-US" altLang="zh-CN" sz="1400" dirty="0">
+                      <a:solidFill>
+                        <a:schemeClr val="tx1"/>
+                      </a:solidFill>
+                      <a:latin typeface="Calibri" panose="020F0502020204030204" pitchFamily="34" charset="0"/>
+                      <a:ea typeface="等线" panose="02010600030101010101" pitchFamily="2" charset="-122"/>
+                      <a:cs typeface="Calibri" panose="020F0502020204030204" pitchFamily="34" charset="0"/>
+                    </a:rPr>
+                    <a:t>Diversity-Based Re-Ranking</a:t>
+                  </a:r>
+                  <a:endParaRPr lang="zh-CN" altLang="en-US" sz="1400" dirty="0">
+                    <a:solidFill>
+                      <a:schemeClr val="tx1"/>
+                    </a:solidFill>
+                    <a:latin typeface="Calibri" panose="020F0502020204030204" pitchFamily="34" charset="0"/>
+                    <a:ea typeface="等线" panose="02010600030101010101" pitchFamily="2" charset="-122"/>
+                    <a:cs typeface="Calibri" panose="020F0502020204030204" pitchFamily="34" charset="0"/>
+                  </a:endParaRPr>
+                </a:p>
+              </p:txBody>
+            </p:sp>
+          </p:grpSp>
+          <p:sp>
+            <p:nvSpPr>
+              <p:cNvPr id="37" name="矩形: 圆角 36">
+                <a:extLst>
+                  <a:ext uri="{FF2B5EF4-FFF2-40B4-BE49-F238E27FC236}">
+                    <a16:creationId xmlns:a16="http://schemas.microsoft.com/office/drawing/2014/main" id="{6EAC068C-5513-A77E-55DE-900775CAE0C3}"/>
+                  </a:ext>
+                </a:extLst>
+              </p:cNvPr>
+              <p:cNvSpPr>
+                <a:spLocks/>
+              </p:cNvSpPr>
+              <p:nvPr/>
+            </p:nvSpPr>
+            <p:spPr>
+              <a:xfrm>
+                <a:off x="4650994" y="2894963"/>
+                <a:ext cx="3056184" cy="338554"/>
+              </a:xfrm>
+              <a:prstGeom prst="roundRect">
+                <a:avLst/>
+              </a:prstGeom>
+              <a:solidFill>
+                <a:schemeClr val="accent6">
+                  <a:lumMod val="40000"/>
+                  <a:lumOff val="60000"/>
+                </a:schemeClr>
+              </a:solidFill>
+              <a:ln>
+                <a:solidFill>
+                  <a:schemeClr val="accent6">
+                    <a:lumMod val="60000"/>
+                    <a:lumOff val="40000"/>
+                  </a:schemeClr>
+                </a:solidFill>
+              </a:ln>
+            </p:spPr>
+            <p:style>
+              <a:lnRef idx="2">
+                <a:schemeClr val="accent1">
+                  <a:shade val="50000"/>
+                </a:schemeClr>
+              </a:lnRef>
+              <a:fillRef idx="1">
+                <a:schemeClr val="accent1"/>
+              </a:fillRef>
+              <a:effectRef idx="0">
+                <a:schemeClr val="accent1"/>
+              </a:effectRef>
+              <a:fontRef idx="minor">
+                <a:schemeClr val="lt1"/>
+              </a:fontRef>
+            </p:style>
+            <p:txBody>
+              <a:bodyPr rtlCol="0" anchor="ctr"/>
+              <a:lstStyle/>
+              <a:p>
+                <a:pPr algn="ctr"/>
+                <a:r>
+                  <a:rPr lang="en-US" altLang="zh-CN" sz="1400" dirty="0">
+                    <a:solidFill>
+                      <a:schemeClr val="tx1"/>
+                    </a:solidFill>
+                    <a:latin typeface="Calibri" panose="020F0502020204030204" pitchFamily="34" charset="0"/>
+                    <a:ea typeface="等线" panose="02010600030101010101" pitchFamily="2" charset="-122"/>
+                    <a:cs typeface="Calibri" panose="020F0502020204030204" pitchFamily="34" charset="0"/>
+                  </a:rPr>
+                  <a:t>Attribute-Based Filtering</a:t>
+                </a:r>
+                <a:endParaRPr lang="zh-CN" altLang="en-US" sz="1400" dirty="0">
+                  <a:solidFill>
+                    <a:schemeClr val="tx1"/>
+                  </a:solidFill>
+                  <a:latin typeface="Calibri" panose="020F0502020204030204" pitchFamily="34" charset="0"/>
+                  <a:ea typeface="等线" panose="02010600030101010101" pitchFamily="2" charset="-122"/>
+                  <a:cs typeface="Calibri" panose="020F0502020204030204" pitchFamily="34" charset="0"/>
+                </a:endParaRPr>
+              </a:p>
+            </p:txBody>
+          </p:sp>
+        </p:grpSp>
+        <p:cxnSp>
+          <p:nvCxnSpPr>
+            <p:cNvPr id="10" name="直接箭头连接符 9">
+              <a:extLst>
+                <a:ext uri="{FF2B5EF4-FFF2-40B4-BE49-F238E27FC236}">
+                  <a16:creationId xmlns:a16="http://schemas.microsoft.com/office/drawing/2014/main" id="{055CA8E7-F05E-D510-349C-36F2A278735D}"/>
+                </a:ext>
+              </a:extLst>
+            </p:cNvPr>
+            <p:cNvCxnSpPr>
+              <a:cxnSpLocks/>
+            </p:cNvCxnSpPr>
+            <p:nvPr/>
+          </p:nvCxnSpPr>
+          <p:spPr>
+            <a:xfrm>
+              <a:off x="3511557" y="2451590"/>
+              <a:ext cx="1499539" cy="0"/>
+            </a:xfrm>
+            <a:prstGeom prst="straightConnector1">
+              <a:avLst/>
+            </a:prstGeom>
+            <a:ln w="19050">
+              <a:tailEnd type="triangle"/>
+            </a:ln>
+          </p:spPr>
+          <p:style>
+            <a:lnRef idx="1">
+              <a:schemeClr val="dk1"/>
+            </a:lnRef>
+            <a:fillRef idx="0">
+              <a:schemeClr val="dk1"/>
+            </a:fillRef>
+            <a:effectRef idx="0">
+              <a:schemeClr val="dk1"/>
+            </a:effectRef>
+            <a:fontRef idx="minor">
+              <a:schemeClr val="tx1"/>
+            </a:fontRef>
+          </p:style>
+        </p:cxnSp>
+        <p:sp>
+          <p:nvSpPr>
+            <p:cNvPr id="11" name="文本框 10">
+              <a:extLst>
+                <a:ext uri="{FF2B5EF4-FFF2-40B4-BE49-F238E27FC236}">
+                  <a16:creationId xmlns:a16="http://schemas.microsoft.com/office/drawing/2014/main" id="{24C96429-44E4-E320-2301-EBA79B6EB4A5}"/>
+                </a:ext>
+              </a:extLst>
+            </p:cNvPr>
+            <p:cNvSpPr txBox="1">
+              <a:spLocks/>
+            </p:cNvSpPr>
+            <p:nvPr/>
+          </p:nvSpPr>
+          <p:spPr>
+            <a:xfrm>
+              <a:off x="3723908" y="2109210"/>
+              <a:ext cx="1072969" cy="338554"/>
+            </a:xfrm>
+            <a:prstGeom prst="rect">
+              <a:avLst/>
+            </a:prstGeom>
+            <a:noFill/>
+          </p:spPr>
+          <p:txBody>
+            <a:bodyPr wrap="square">
+              <a:spAutoFit/>
+            </a:bodyPr>
+            <a:lstStyle/>
+            <a:p>
+              <a:pPr algn="ctr"/>
+              <a:r>
+                <a:rPr lang="en-US" altLang="zh-CN" sz="1600" dirty="0">
+                  <a:latin typeface="Calibri" panose="020F0502020204030204" pitchFamily="34" charset="0"/>
+                  <a:ea typeface="等线" panose="02010600030101010101" pitchFamily="2" charset="-122"/>
+                  <a:cs typeface="Calibri" panose="020F0502020204030204" pitchFamily="34" charset="0"/>
+                </a:rPr>
+                <a:t>Query</a:t>
+              </a:r>
+              <a:endParaRPr lang="zh-CN" altLang="en-US" sz="1600" dirty="0">
+                <a:latin typeface="Calibri" panose="020F0502020204030204" pitchFamily="34" charset="0"/>
+                <a:ea typeface="等线" panose="02010600030101010101" pitchFamily="2" charset="-122"/>
+                <a:cs typeface="Calibri" panose="020F0502020204030204" pitchFamily="34" charset="0"/>
+              </a:endParaRPr>
+            </a:p>
+          </p:txBody>
+        </p:sp>
+        <p:cxnSp>
+          <p:nvCxnSpPr>
+            <p:cNvPr id="12" name="直接箭头连接符 11">
+              <a:extLst>
+                <a:ext uri="{FF2B5EF4-FFF2-40B4-BE49-F238E27FC236}">
+                  <a16:creationId xmlns:a16="http://schemas.microsoft.com/office/drawing/2014/main" id="{500B3ED0-BE5B-E66F-6305-8E969628A077}"/>
+                </a:ext>
+              </a:extLst>
+            </p:cNvPr>
+            <p:cNvCxnSpPr>
+              <a:cxnSpLocks/>
+              <a:stCxn id="14" idx="3"/>
+              <a:endCxn id="27" idx="1"/>
+            </p:cNvCxnSpPr>
+            <p:nvPr/>
+          </p:nvCxnSpPr>
+          <p:spPr>
+            <a:xfrm>
+              <a:off x="6879212" y="1506195"/>
+              <a:ext cx="1785643" cy="0"/>
+            </a:xfrm>
+            <a:prstGeom prst="straightConnector1">
+              <a:avLst/>
+            </a:prstGeom>
+            <a:ln w="19050">
+              <a:tailEnd type="triangle"/>
+            </a:ln>
+          </p:spPr>
+          <p:style>
+            <a:lnRef idx="1">
+              <a:schemeClr val="dk1"/>
+            </a:lnRef>
+            <a:fillRef idx="0">
+              <a:schemeClr val="dk1"/>
+            </a:fillRef>
+            <a:effectRef idx="0">
+              <a:schemeClr val="dk1"/>
+            </a:effectRef>
+            <a:fontRef idx="minor">
+              <a:schemeClr val="tx1"/>
+            </a:fontRef>
+          </p:style>
+        </p:cxnSp>
+        <p:grpSp>
+          <p:nvGrpSpPr>
+            <p:cNvPr id="13" name="组合 12">
+              <a:extLst>
+                <a:ext uri="{FF2B5EF4-FFF2-40B4-BE49-F238E27FC236}">
+                  <a16:creationId xmlns:a16="http://schemas.microsoft.com/office/drawing/2014/main" id="{A9A961DD-853A-02B1-66CE-C2D9DEC55732}"/>
+                </a:ext>
+              </a:extLst>
+            </p:cNvPr>
+            <p:cNvGrpSpPr>
+              <a:grpSpLocks/>
+            </p:cNvGrpSpPr>
+            <p:nvPr/>
+          </p:nvGrpSpPr>
+          <p:grpSpPr>
+            <a:xfrm>
+              <a:off x="5490379" y="1012684"/>
+              <a:ext cx="1377415" cy="987025"/>
+              <a:chOff x="1175097" y="3338531"/>
+              <a:chExt cx="1577048" cy="1130077"/>
+            </a:xfrm>
+          </p:grpSpPr>
+          <p:sp>
+            <p:nvSpPr>
+              <p:cNvPr id="31" name="流程图: 文档 30">
+                <a:extLst>
+                  <a:ext uri="{FF2B5EF4-FFF2-40B4-BE49-F238E27FC236}">
+                    <a16:creationId xmlns:a16="http://schemas.microsoft.com/office/drawing/2014/main" id="{F95E0489-9A90-D50D-F7FA-372D5C4E8C89}"/>
+                  </a:ext>
+                </a:extLst>
+              </p:cNvPr>
+              <p:cNvSpPr>
+                <a:spLocks/>
+              </p:cNvSpPr>
+              <p:nvPr/>
+            </p:nvSpPr>
+            <p:spPr>
+              <a:xfrm>
+                <a:off x="1175097" y="3338531"/>
+                <a:ext cx="1272248" cy="825276"/>
+              </a:xfrm>
+              <a:prstGeom prst="flowChartDocument">
+                <a:avLst/>
+              </a:prstGeom>
+              <a:solidFill>
+                <a:schemeClr val="accent4">
+                  <a:lumMod val="20000"/>
+                  <a:lumOff val="80000"/>
+                </a:schemeClr>
+              </a:solidFill>
+              <a:ln>
+                <a:solidFill>
+                  <a:schemeClr val="accent4">
+                    <a:lumMod val="60000"/>
+                    <a:lumOff val="40000"/>
+                  </a:schemeClr>
+                </a:solidFill>
+              </a:ln>
+            </p:spPr>
+            <p:style>
+              <a:lnRef idx="2">
+                <a:schemeClr val="accent1">
+                  <a:shade val="50000"/>
+                </a:schemeClr>
+              </a:lnRef>
+              <a:fillRef idx="1">
+                <a:schemeClr val="accent1"/>
+              </a:fillRef>
+              <a:effectRef idx="0">
+                <a:schemeClr val="accent1"/>
+              </a:effectRef>
+              <a:fontRef idx="minor">
+                <a:schemeClr val="lt1"/>
+              </a:fontRef>
+            </p:style>
+            <p:txBody>
+              <a:bodyPr rtlCol="0" anchor="ctr"/>
+              <a:lstStyle/>
+              <a:p>
+                <a:pPr algn="ctr"/>
+                <a:endParaRPr lang="zh-CN" altLang="en-US" dirty="0">
+                  <a:solidFill>
+                    <a:schemeClr val="tx1"/>
+                  </a:solidFill>
+                  <a:latin typeface="Calibri" panose="020F0502020204030204" pitchFamily="34" charset="0"/>
+                  <a:ea typeface="等线" panose="02010600030101010101" pitchFamily="2" charset="-122"/>
+                  <a:cs typeface="Calibri" panose="020F0502020204030204" pitchFamily="34" charset="0"/>
+                </a:endParaRPr>
+              </a:p>
+            </p:txBody>
+          </p:sp>
+          <p:sp>
+            <p:nvSpPr>
+              <p:cNvPr id="32" name="流程图: 文档 31">
+                <a:extLst>
+                  <a:ext uri="{FF2B5EF4-FFF2-40B4-BE49-F238E27FC236}">
+                    <a16:creationId xmlns:a16="http://schemas.microsoft.com/office/drawing/2014/main" id="{F80424BF-4B5E-331C-7DB7-562FD4B4CF5E}"/>
+                  </a:ext>
+                </a:extLst>
+              </p:cNvPr>
+              <p:cNvSpPr>
+                <a:spLocks/>
+              </p:cNvSpPr>
+              <p:nvPr/>
+            </p:nvSpPr>
+            <p:spPr>
+              <a:xfrm>
+                <a:off x="1327497" y="3490931"/>
+                <a:ext cx="1272248" cy="825276"/>
+              </a:xfrm>
+              <a:prstGeom prst="flowChartDocument">
+                <a:avLst/>
+              </a:prstGeom>
+              <a:solidFill>
+                <a:schemeClr val="accent4">
+                  <a:lumMod val="20000"/>
+                  <a:lumOff val="80000"/>
+                </a:schemeClr>
+              </a:solidFill>
+              <a:ln>
+                <a:solidFill>
+                  <a:schemeClr val="accent4">
+                    <a:lumMod val="60000"/>
+                    <a:lumOff val="40000"/>
+                  </a:schemeClr>
+                </a:solidFill>
+              </a:ln>
+            </p:spPr>
+            <p:style>
+              <a:lnRef idx="2">
+                <a:schemeClr val="accent1">
+                  <a:shade val="50000"/>
+                </a:schemeClr>
+              </a:lnRef>
+              <a:fillRef idx="1">
+                <a:schemeClr val="accent1"/>
+              </a:fillRef>
+              <a:effectRef idx="0">
+                <a:schemeClr val="accent1"/>
+              </a:effectRef>
+              <a:fontRef idx="minor">
+                <a:schemeClr val="lt1"/>
+              </a:fontRef>
+            </p:style>
+            <p:txBody>
+              <a:bodyPr rtlCol="0" anchor="ctr"/>
+              <a:lstStyle/>
+              <a:p>
+                <a:pPr algn="ctr"/>
+                <a:endParaRPr lang="zh-CN" altLang="en-US" dirty="0">
+                  <a:solidFill>
+                    <a:schemeClr val="tx1"/>
+                  </a:solidFill>
+                  <a:latin typeface="Calibri" panose="020F0502020204030204" pitchFamily="34" charset="0"/>
+                  <a:ea typeface="等线" panose="02010600030101010101" pitchFamily="2" charset="-122"/>
+                  <a:cs typeface="Calibri" panose="020F0502020204030204" pitchFamily="34" charset="0"/>
+                </a:endParaRPr>
+              </a:p>
+            </p:txBody>
+          </p:sp>
+          <p:sp>
+            <p:nvSpPr>
+              <p:cNvPr id="33" name="流程图: 文档 32">
+                <a:extLst>
+                  <a:ext uri="{FF2B5EF4-FFF2-40B4-BE49-F238E27FC236}">
+                    <a16:creationId xmlns:a16="http://schemas.microsoft.com/office/drawing/2014/main" id="{A9147589-E51A-B0DF-5044-8383D4023287}"/>
+                  </a:ext>
+                </a:extLst>
+              </p:cNvPr>
+              <p:cNvSpPr>
+                <a:spLocks/>
+              </p:cNvSpPr>
+              <p:nvPr/>
+            </p:nvSpPr>
+            <p:spPr>
+              <a:xfrm>
+                <a:off x="1479897" y="3643332"/>
+                <a:ext cx="1272248" cy="825276"/>
+              </a:xfrm>
+              <a:prstGeom prst="flowChartDocument">
+                <a:avLst/>
+              </a:prstGeom>
+              <a:solidFill>
+                <a:schemeClr val="accent4">
+                  <a:lumMod val="20000"/>
+                  <a:lumOff val="80000"/>
+                </a:schemeClr>
+              </a:solidFill>
+              <a:ln>
+                <a:solidFill>
+                  <a:schemeClr val="accent4">
+                    <a:lumMod val="60000"/>
+                    <a:lumOff val="40000"/>
+                  </a:schemeClr>
+                </a:solidFill>
+              </a:ln>
+            </p:spPr>
+            <p:style>
+              <a:lnRef idx="2">
+                <a:schemeClr val="accent1">
+                  <a:shade val="50000"/>
+                </a:schemeClr>
+              </a:lnRef>
+              <a:fillRef idx="1">
+                <a:schemeClr val="accent1"/>
+              </a:fillRef>
+              <a:effectRef idx="0">
+                <a:schemeClr val="accent1"/>
+              </a:effectRef>
+              <a:fontRef idx="minor">
+                <a:schemeClr val="lt1"/>
+              </a:fontRef>
+            </p:style>
+            <p:txBody>
+              <a:bodyPr rtlCol="0" anchor="ctr"/>
+              <a:lstStyle/>
+              <a:p>
+                <a:pPr algn="ctr"/>
+                <a:r>
+                  <a:rPr lang="en-US" altLang="zh-CN" sz="1600" dirty="0">
+                    <a:solidFill>
+                      <a:schemeClr val="tx1"/>
+                    </a:solidFill>
+                    <a:latin typeface="Calibri" panose="020F0502020204030204" pitchFamily="34" charset="0"/>
+                    <a:ea typeface="等线" panose="02010600030101010101" pitchFamily="2" charset="-122"/>
+                    <a:cs typeface="Calibri" panose="020F0502020204030204" pitchFamily="34" charset="0"/>
+                  </a:rPr>
+                  <a:t>Dataset Metadata</a:t>
+                </a:r>
+                <a:endParaRPr lang="zh-CN" altLang="en-US" sz="1600" dirty="0">
+                  <a:solidFill>
+                    <a:schemeClr val="tx1"/>
+                  </a:solidFill>
+                  <a:latin typeface="Calibri" panose="020F0502020204030204" pitchFamily="34" charset="0"/>
+                  <a:ea typeface="等线" panose="02010600030101010101" pitchFamily="2" charset="-122"/>
+                  <a:cs typeface="Calibri" panose="020F0502020204030204" pitchFamily="34" charset="0"/>
+                </a:endParaRPr>
+              </a:p>
+            </p:txBody>
+          </p:sp>
+        </p:grpSp>
+        <p:sp>
+          <p:nvSpPr>
+            <p:cNvPr id="14" name="矩形 13">
+              <a:extLst>
+                <a:ext uri="{FF2B5EF4-FFF2-40B4-BE49-F238E27FC236}">
+                  <a16:creationId xmlns:a16="http://schemas.microsoft.com/office/drawing/2014/main" id="{EF2892B8-FB24-BFF6-C2BD-B0179ED193DD}"/>
+                </a:ext>
+              </a:extLst>
+            </p:cNvPr>
+            <p:cNvSpPr>
+              <a:spLocks/>
+            </p:cNvSpPr>
+            <p:nvPr/>
+          </p:nvSpPr>
+          <p:spPr>
+            <a:xfrm>
+              <a:off x="5497247" y="1012683"/>
+              <a:ext cx="1381965" cy="987024"/>
+            </a:xfrm>
+            <a:prstGeom prst="rect">
+              <a:avLst/>
+            </a:prstGeom>
+            <a:noFill/>
+            <a:ln>
+              <a:noFill/>
+            </a:ln>
+          </p:spPr>
+          <p:style>
+            <a:lnRef idx="2">
+              <a:schemeClr val="accent1">
+                <a:shade val="50000"/>
+              </a:schemeClr>
+            </a:lnRef>
+            <a:fillRef idx="1">
+              <a:schemeClr val="accent1"/>
+            </a:fillRef>
+            <a:effectRef idx="0">
+              <a:schemeClr val="accent1"/>
+            </a:effectRef>
+            <a:fontRef idx="minor">
+              <a:schemeClr val="lt1"/>
+            </a:fontRef>
+          </p:style>
+          <p:txBody>
+            <a:bodyPr rtlCol="0" anchor="ctr"/>
+            <a:lstStyle/>
+            <a:p>
+              <a:pPr algn="ctr"/>
+              <a:endParaRPr lang="zh-CN" altLang="en-US" dirty="0">
+                <a:latin typeface="Calibri" panose="020F0502020204030204" pitchFamily="34" charset="0"/>
+                <a:ea typeface="等线" panose="02010600030101010101" pitchFamily="2" charset="-122"/>
+                <a:cs typeface="Calibri" panose="020F0502020204030204" pitchFamily="34" charset="0"/>
+              </a:endParaRPr>
+            </a:p>
+          </p:txBody>
+        </p:sp>
+        <p:sp>
+          <p:nvSpPr>
+            <p:cNvPr id="15" name="文本框 14">
+              <a:extLst>
+                <a:ext uri="{FF2B5EF4-FFF2-40B4-BE49-F238E27FC236}">
+                  <a16:creationId xmlns:a16="http://schemas.microsoft.com/office/drawing/2014/main" id="{9725117A-D9C4-4ACF-ECFF-3C5B0AAE7290}"/>
+                </a:ext>
+              </a:extLst>
+            </p:cNvPr>
+            <p:cNvSpPr txBox="1">
+              <a:spLocks/>
+            </p:cNvSpPr>
+            <p:nvPr/>
+          </p:nvSpPr>
+          <p:spPr>
+            <a:xfrm>
+              <a:off x="7169513" y="1154437"/>
+              <a:ext cx="1193623" cy="338554"/>
+            </a:xfrm>
+            <a:prstGeom prst="rect">
+              <a:avLst/>
+            </a:prstGeom>
+            <a:noFill/>
+          </p:spPr>
+          <p:txBody>
+            <a:bodyPr wrap="square">
+              <a:spAutoFit/>
+            </a:bodyPr>
+            <a:lstStyle/>
+            <a:p>
+              <a:pPr algn="ctr"/>
+              <a:r>
+                <a:rPr lang="en-US" altLang="zh-CN" sz="1600" dirty="0">
+                  <a:latin typeface="Calibri" panose="020F0502020204030204" pitchFamily="34" charset="0"/>
+                  <a:ea typeface="等线" panose="02010600030101010101" pitchFamily="2" charset="-122"/>
+                  <a:cs typeface="Calibri" panose="020F0502020204030204" pitchFamily="34" charset="0"/>
+                </a:rPr>
+                <a:t>Integration</a:t>
+              </a:r>
+              <a:endParaRPr lang="zh-CN" altLang="en-US" sz="1600" dirty="0">
+                <a:latin typeface="Calibri" panose="020F0502020204030204" pitchFamily="34" charset="0"/>
+                <a:ea typeface="等线" panose="02010600030101010101" pitchFamily="2" charset="-122"/>
+                <a:cs typeface="Calibri" panose="020F0502020204030204" pitchFamily="34" charset="0"/>
+              </a:endParaRPr>
+            </a:p>
+          </p:txBody>
+        </p:sp>
+        <p:cxnSp>
+          <p:nvCxnSpPr>
+            <p:cNvPr id="16" name="直接箭头连接符 15">
+              <a:extLst>
+                <a:ext uri="{FF2B5EF4-FFF2-40B4-BE49-F238E27FC236}">
+                  <a16:creationId xmlns:a16="http://schemas.microsoft.com/office/drawing/2014/main" id="{0898B0CF-7342-5CEA-37C7-56D9A6472DD9}"/>
+                </a:ext>
+              </a:extLst>
+            </p:cNvPr>
+            <p:cNvCxnSpPr>
+              <a:cxnSpLocks/>
+              <a:stCxn id="27" idx="2"/>
+              <a:endCxn id="7" idx="1"/>
+            </p:cNvCxnSpPr>
+            <p:nvPr/>
+          </p:nvCxnSpPr>
+          <p:spPr>
+            <a:xfrm>
+              <a:off x="9355838" y="1999707"/>
+              <a:ext cx="0" cy="282754"/>
+            </a:xfrm>
+            <a:prstGeom prst="straightConnector1">
+              <a:avLst/>
+            </a:prstGeom>
+            <a:ln w="19050">
+              <a:tailEnd type="triangle"/>
+            </a:ln>
+          </p:spPr>
+          <p:style>
+            <a:lnRef idx="1">
+              <a:schemeClr val="dk1"/>
+            </a:lnRef>
+            <a:fillRef idx="0">
+              <a:schemeClr val="dk1"/>
+            </a:fillRef>
+            <a:effectRef idx="0">
+              <a:schemeClr val="dk1"/>
+            </a:effectRef>
+            <a:fontRef idx="minor">
+              <a:schemeClr val="tx1"/>
+            </a:fontRef>
+          </p:style>
+        </p:cxnSp>
+        <p:cxnSp>
+          <p:nvCxnSpPr>
+            <p:cNvPr id="17" name="直接箭头连接符 16">
+              <a:extLst>
+                <a:ext uri="{FF2B5EF4-FFF2-40B4-BE49-F238E27FC236}">
+                  <a16:creationId xmlns:a16="http://schemas.microsoft.com/office/drawing/2014/main" id="{55A5C727-60E1-718D-D1FC-C214BEB8A9BD}"/>
+                </a:ext>
+              </a:extLst>
+            </p:cNvPr>
+            <p:cNvCxnSpPr>
+              <a:cxnSpLocks/>
+              <a:stCxn id="7" idx="2"/>
+              <a:endCxn id="34" idx="3"/>
+            </p:cNvCxnSpPr>
+            <p:nvPr/>
+          </p:nvCxnSpPr>
+          <p:spPr>
+            <a:xfrm flipH="1">
+              <a:off x="8389492" y="2682729"/>
+              <a:ext cx="330222" cy="0"/>
+            </a:xfrm>
+            <a:prstGeom prst="straightConnector1">
+              <a:avLst/>
+            </a:prstGeom>
+            <a:ln w="19050">
+              <a:tailEnd type="triangle"/>
+            </a:ln>
+          </p:spPr>
+          <p:style>
+            <a:lnRef idx="1">
+              <a:schemeClr val="dk1"/>
+            </a:lnRef>
+            <a:fillRef idx="0">
+              <a:schemeClr val="dk1"/>
+            </a:fillRef>
+            <a:effectRef idx="0">
+              <a:schemeClr val="dk1"/>
+            </a:effectRef>
+            <a:fontRef idx="minor">
+              <a:schemeClr val="tx1"/>
+            </a:fontRef>
+          </p:style>
+        </p:cxnSp>
+        <p:grpSp>
+          <p:nvGrpSpPr>
+            <p:cNvPr id="18" name="组合 17">
+              <a:extLst>
+                <a:ext uri="{FF2B5EF4-FFF2-40B4-BE49-F238E27FC236}">
+                  <a16:creationId xmlns:a16="http://schemas.microsoft.com/office/drawing/2014/main" id="{6064CD62-1E28-7ADC-A2A9-879EED432B03}"/>
+                </a:ext>
+              </a:extLst>
+            </p:cNvPr>
+            <p:cNvGrpSpPr/>
+            <p:nvPr/>
+          </p:nvGrpSpPr>
+          <p:grpSpPr>
+            <a:xfrm>
+              <a:off x="8664855" y="1012683"/>
+              <a:ext cx="1381966" cy="987026"/>
+              <a:chOff x="4734636" y="973254"/>
+              <a:chExt cx="1381966" cy="987026"/>
+            </a:xfrm>
+          </p:grpSpPr>
+          <p:grpSp>
+            <p:nvGrpSpPr>
+              <p:cNvPr id="26" name="组合 25">
+                <a:extLst>
+                  <a:ext uri="{FF2B5EF4-FFF2-40B4-BE49-F238E27FC236}">
+                    <a16:creationId xmlns:a16="http://schemas.microsoft.com/office/drawing/2014/main" id="{A8B9097B-FD42-1EFD-D57C-61362F890D98}"/>
+                  </a:ext>
+                </a:extLst>
+              </p:cNvPr>
+              <p:cNvGrpSpPr>
+                <a:grpSpLocks/>
+              </p:cNvGrpSpPr>
+              <p:nvPr/>
+            </p:nvGrpSpPr>
+            <p:grpSpPr>
+              <a:xfrm>
+                <a:off x="4739187" y="973255"/>
+                <a:ext cx="1377415" cy="987025"/>
+                <a:chOff x="1175097" y="3338531"/>
+                <a:chExt cx="1577048" cy="1130077"/>
+              </a:xfrm>
+            </p:grpSpPr>
+            <p:sp>
+              <p:nvSpPr>
+                <p:cNvPr id="28" name="流程图: 文档 27">
+                  <a:extLst>
+                    <a:ext uri="{FF2B5EF4-FFF2-40B4-BE49-F238E27FC236}">
+                      <a16:creationId xmlns:a16="http://schemas.microsoft.com/office/drawing/2014/main" id="{F8009CCE-47E5-12C9-B022-9A72D4112F8B}"/>
+                    </a:ext>
+                  </a:extLst>
+                </p:cNvPr>
+                <p:cNvSpPr>
+                  <a:spLocks/>
+                </p:cNvSpPr>
+                <p:nvPr/>
+              </p:nvSpPr>
+              <p:spPr>
+                <a:xfrm>
+                  <a:off x="1175097" y="3338531"/>
+                  <a:ext cx="1272248" cy="825276"/>
+                </a:xfrm>
+                <a:prstGeom prst="flowChartDocument">
+                  <a:avLst/>
+                </a:prstGeom>
+                <a:solidFill>
+                  <a:schemeClr val="accent4">
+                    <a:lumMod val="40000"/>
+                    <a:lumOff val="60000"/>
+                  </a:schemeClr>
+                </a:solidFill>
+                <a:ln>
+                  <a:solidFill>
+                    <a:schemeClr val="accent4">
+                      <a:lumMod val="60000"/>
+                      <a:lumOff val="40000"/>
+                    </a:schemeClr>
+                  </a:solidFill>
+                </a:ln>
+              </p:spPr>
+              <p:style>
+                <a:lnRef idx="2">
+                  <a:schemeClr val="accent1">
+                    <a:shade val="50000"/>
+                  </a:schemeClr>
+                </a:lnRef>
+                <a:fillRef idx="1">
+                  <a:schemeClr val="accent1"/>
+                </a:fillRef>
+                <a:effectRef idx="0">
+                  <a:schemeClr val="accent1"/>
+                </a:effectRef>
+                <a:fontRef idx="minor">
+                  <a:schemeClr val="lt1"/>
+                </a:fontRef>
+              </p:style>
+              <p:txBody>
+                <a:bodyPr rtlCol="0" anchor="ctr"/>
+                <a:lstStyle/>
+                <a:p>
+                  <a:pPr algn="ctr"/>
+                  <a:endParaRPr lang="zh-CN" altLang="en-US" dirty="0">
+                    <a:solidFill>
+                      <a:schemeClr val="tx1"/>
+                    </a:solidFill>
+                    <a:latin typeface="Calibri" panose="020F0502020204030204" pitchFamily="34" charset="0"/>
+                    <a:ea typeface="等线" panose="02010600030101010101" pitchFamily="2" charset="-122"/>
+                    <a:cs typeface="Calibri" panose="020F0502020204030204" pitchFamily="34" charset="0"/>
+                  </a:endParaRPr>
+                </a:p>
+              </p:txBody>
+            </p:sp>
+            <p:sp>
+              <p:nvSpPr>
+                <p:cNvPr id="29" name="流程图: 文档 28">
+                  <a:extLst>
+                    <a:ext uri="{FF2B5EF4-FFF2-40B4-BE49-F238E27FC236}">
+                      <a16:creationId xmlns:a16="http://schemas.microsoft.com/office/drawing/2014/main" id="{55D292BF-FDBC-6DF8-D1B3-8E8C77D087B0}"/>
+                    </a:ext>
+                  </a:extLst>
+                </p:cNvPr>
+                <p:cNvSpPr>
+                  <a:spLocks/>
+                </p:cNvSpPr>
+                <p:nvPr/>
+              </p:nvSpPr>
+              <p:spPr>
+                <a:xfrm>
+                  <a:off x="1327497" y="3490931"/>
+                  <a:ext cx="1272248" cy="825276"/>
+                </a:xfrm>
+                <a:prstGeom prst="flowChartDocument">
+                  <a:avLst/>
+                </a:prstGeom>
+                <a:solidFill>
+                  <a:schemeClr val="accent4">
+                    <a:lumMod val="40000"/>
+                    <a:lumOff val="60000"/>
+                  </a:schemeClr>
+                </a:solidFill>
+                <a:ln>
+                  <a:solidFill>
+                    <a:schemeClr val="accent4">
+                      <a:lumMod val="60000"/>
+                      <a:lumOff val="40000"/>
+                    </a:schemeClr>
+                  </a:solidFill>
+                </a:ln>
+              </p:spPr>
+              <p:style>
+                <a:lnRef idx="2">
+                  <a:schemeClr val="accent1">
+                    <a:shade val="50000"/>
+                  </a:schemeClr>
+                </a:lnRef>
+                <a:fillRef idx="1">
+                  <a:schemeClr val="accent1"/>
+                </a:fillRef>
+                <a:effectRef idx="0">
+                  <a:schemeClr val="accent1"/>
+                </a:effectRef>
+                <a:fontRef idx="minor">
+                  <a:schemeClr val="lt1"/>
+                </a:fontRef>
+              </p:style>
+              <p:txBody>
+                <a:bodyPr rtlCol="0" anchor="ctr"/>
+                <a:lstStyle/>
+                <a:p>
+                  <a:pPr algn="ctr"/>
+                  <a:endParaRPr lang="zh-CN" altLang="en-US" dirty="0">
+                    <a:solidFill>
+                      <a:schemeClr val="tx1"/>
+                    </a:solidFill>
+                    <a:latin typeface="Calibri" panose="020F0502020204030204" pitchFamily="34" charset="0"/>
+                    <a:ea typeface="等线" panose="02010600030101010101" pitchFamily="2" charset="-122"/>
+                    <a:cs typeface="Calibri" panose="020F0502020204030204" pitchFamily="34" charset="0"/>
+                  </a:endParaRPr>
+                </a:p>
+              </p:txBody>
+            </p:sp>
+            <p:sp>
+              <p:nvSpPr>
+                <p:cNvPr id="30" name="流程图: 文档 29">
+                  <a:extLst>
+                    <a:ext uri="{FF2B5EF4-FFF2-40B4-BE49-F238E27FC236}">
+                      <a16:creationId xmlns:a16="http://schemas.microsoft.com/office/drawing/2014/main" id="{02052571-F736-A5A0-9589-58E3D153A672}"/>
+                    </a:ext>
+                  </a:extLst>
+                </p:cNvPr>
+                <p:cNvSpPr>
+                  <a:spLocks/>
+                </p:cNvSpPr>
+                <p:nvPr/>
+              </p:nvSpPr>
+              <p:spPr>
+                <a:xfrm>
+                  <a:off x="1479897" y="3643332"/>
+                  <a:ext cx="1272248" cy="825276"/>
+                </a:xfrm>
+                <a:prstGeom prst="flowChartDocument">
+                  <a:avLst/>
+                </a:prstGeom>
+                <a:solidFill>
+                  <a:schemeClr val="accent4">
+                    <a:lumMod val="40000"/>
+                    <a:lumOff val="60000"/>
+                  </a:schemeClr>
+                </a:solidFill>
+                <a:ln>
+                  <a:solidFill>
+                    <a:schemeClr val="accent4">
+                      <a:lumMod val="60000"/>
+                      <a:lumOff val="40000"/>
+                    </a:schemeClr>
+                  </a:solidFill>
+                </a:ln>
+              </p:spPr>
+              <p:style>
+                <a:lnRef idx="2">
+                  <a:schemeClr val="accent1">
+                    <a:shade val="50000"/>
+                  </a:schemeClr>
+                </a:lnRef>
+                <a:fillRef idx="1">
+                  <a:schemeClr val="accent1"/>
+                </a:fillRef>
+                <a:effectRef idx="0">
+                  <a:schemeClr val="accent1"/>
+                </a:effectRef>
+                <a:fontRef idx="minor">
+                  <a:schemeClr val="lt1"/>
+                </a:fontRef>
+              </p:style>
+              <p:txBody>
+                <a:bodyPr rtlCol="0" anchor="ctr"/>
+                <a:lstStyle/>
+                <a:p>
+                  <a:pPr algn="ctr"/>
+                  <a:r>
+                    <a:rPr lang="en-US" altLang="zh-CN" sz="1600" dirty="0">
+                      <a:solidFill>
+                        <a:schemeClr val="tx1"/>
+                      </a:solidFill>
+                      <a:latin typeface="Calibri" panose="020F0502020204030204" pitchFamily="34" charset="0"/>
+                      <a:ea typeface="等线" panose="02010600030101010101" pitchFamily="2" charset="-122"/>
+                      <a:cs typeface="Calibri" panose="020F0502020204030204" pitchFamily="34" charset="0"/>
+                    </a:rPr>
+                    <a:t>Integrated Metadata</a:t>
+                  </a:r>
+                  <a:endParaRPr lang="zh-CN" altLang="en-US" sz="1600" dirty="0">
+                    <a:solidFill>
+                      <a:schemeClr val="tx1"/>
+                    </a:solidFill>
+                    <a:latin typeface="Calibri" panose="020F0502020204030204" pitchFamily="34" charset="0"/>
+                    <a:ea typeface="等线" panose="02010600030101010101" pitchFamily="2" charset="-122"/>
+                    <a:cs typeface="Calibri" panose="020F0502020204030204" pitchFamily="34" charset="0"/>
+                  </a:endParaRPr>
+                </a:p>
+              </p:txBody>
+            </p:sp>
+          </p:grpSp>
+          <p:sp>
+            <p:nvSpPr>
+              <p:cNvPr id="27" name="矩形 26">
+                <a:extLst>
+                  <a:ext uri="{FF2B5EF4-FFF2-40B4-BE49-F238E27FC236}">
+                    <a16:creationId xmlns:a16="http://schemas.microsoft.com/office/drawing/2014/main" id="{2D742F78-9C0E-C2DB-C26C-0291AEC56A23}"/>
+                  </a:ext>
+                </a:extLst>
+              </p:cNvPr>
+              <p:cNvSpPr>
+                <a:spLocks/>
+              </p:cNvSpPr>
+              <p:nvPr/>
+            </p:nvSpPr>
+            <p:spPr>
+              <a:xfrm>
+                <a:off x="4734636" y="973254"/>
+                <a:ext cx="1381965" cy="987024"/>
+              </a:xfrm>
+              <a:prstGeom prst="rect">
+                <a:avLst/>
+              </a:prstGeom>
+              <a:noFill/>
+              <a:ln>
+                <a:noFill/>
+              </a:ln>
+            </p:spPr>
+            <p:style>
+              <a:lnRef idx="2">
+                <a:schemeClr val="accent1">
+                  <a:shade val="50000"/>
+                </a:schemeClr>
+              </a:lnRef>
+              <a:fillRef idx="1">
+                <a:schemeClr val="accent1"/>
+              </a:fillRef>
+              <a:effectRef idx="0">
+                <a:schemeClr val="accent1"/>
+              </a:effectRef>
+              <a:fontRef idx="minor">
+                <a:schemeClr val="lt1"/>
+              </a:fontRef>
+            </p:style>
+            <p:txBody>
+              <a:bodyPr rtlCol="0" anchor="ctr"/>
+              <a:lstStyle/>
+              <a:p>
+                <a:pPr algn="ctr"/>
+                <a:endParaRPr lang="zh-CN" altLang="en-US" dirty="0">
+                  <a:latin typeface="Calibri" panose="020F0502020204030204" pitchFamily="34" charset="0"/>
+                  <a:ea typeface="等线" panose="02010600030101010101" pitchFamily="2" charset="-122"/>
+                  <a:cs typeface="Calibri" panose="020F0502020204030204" pitchFamily="34" charset="0"/>
+                </a:endParaRPr>
+              </a:p>
+            </p:txBody>
+          </p:sp>
+        </p:grpSp>
+        <p:sp>
+          <p:nvSpPr>
+            <p:cNvPr id="19" name="流程图: 文档 18">
+              <a:extLst>
+                <a:ext uri="{FF2B5EF4-FFF2-40B4-BE49-F238E27FC236}">
+                  <a16:creationId xmlns:a16="http://schemas.microsoft.com/office/drawing/2014/main" id="{2D0F1F13-9EA8-2961-2FC2-8F82A005A48F}"/>
+                </a:ext>
+              </a:extLst>
+            </p:cNvPr>
+            <p:cNvSpPr>
+              <a:spLocks/>
+            </p:cNvSpPr>
+            <p:nvPr/>
+          </p:nvSpPr>
+          <p:spPr>
+            <a:xfrm>
+              <a:off x="3708534" y="2561020"/>
+              <a:ext cx="1111199" cy="720808"/>
+            </a:xfrm>
+            <a:prstGeom prst="flowChartDocument">
+              <a:avLst/>
+            </a:prstGeom>
+            <a:solidFill>
+              <a:schemeClr val="accent4">
+                <a:lumMod val="40000"/>
+                <a:lumOff val="60000"/>
+              </a:schemeClr>
+            </a:solidFill>
+            <a:ln>
+              <a:solidFill>
+                <a:schemeClr val="accent4">
+                  <a:lumMod val="60000"/>
+                  <a:lumOff val="40000"/>
+                </a:schemeClr>
+              </a:solidFill>
+            </a:ln>
+          </p:spPr>
+          <p:style>
+            <a:lnRef idx="2">
+              <a:schemeClr val="accent1">
+                <a:shade val="50000"/>
+              </a:schemeClr>
+            </a:lnRef>
+            <a:fillRef idx="1">
+              <a:schemeClr val="accent1"/>
+            </a:fillRef>
+            <a:effectRef idx="0">
+              <a:schemeClr val="accent1"/>
+            </a:effectRef>
+            <a:fontRef idx="minor">
+              <a:schemeClr val="lt1"/>
+            </a:fontRef>
+          </p:style>
+          <p:txBody>
+            <a:bodyPr rtlCol="0" anchor="ctr"/>
+            <a:lstStyle/>
+            <a:p>
+              <a:pPr algn="ctr"/>
+              <a:r>
+                <a:rPr lang="en-US" altLang="zh-CN" sz="1600" dirty="0">
+                  <a:solidFill>
+                    <a:schemeClr val="tx1"/>
+                  </a:solidFill>
+                  <a:latin typeface="Calibri" panose="020F0502020204030204" pitchFamily="34" charset="0"/>
+                  <a:ea typeface="等线" panose="02010600030101010101" pitchFamily="2" charset="-122"/>
+                  <a:cs typeface="Calibri" panose="020F0502020204030204" pitchFamily="34" charset="0"/>
+                </a:rPr>
+                <a:t>Relevant Datasets</a:t>
+              </a:r>
+              <a:endParaRPr lang="zh-CN" altLang="en-US" sz="1600" dirty="0">
+                <a:solidFill>
+                  <a:schemeClr val="tx1"/>
+                </a:solidFill>
+                <a:latin typeface="Calibri" panose="020F0502020204030204" pitchFamily="34" charset="0"/>
+                <a:ea typeface="等线" panose="02010600030101010101" pitchFamily="2" charset="-122"/>
+                <a:cs typeface="Calibri" panose="020F0502020204030204" pitchFamily="34" charset="0"/>
+              </a:endParaRPr>
+            </a:p>
+          </p:txBody>
+        </p:sp>
+        <p:grpSp>
+          <p:nvGrpSpPr>
+            <p:cNvPr id="20" name="组合 19">
+              <a:extLst>
+                <a:ext uri="{FF2B5EF4-FFF2-40B4-BE49-F238E27FC236}">
+                  <a16:creationId xmlns:a16="http://schemas.microsoft.com/office/drawing/2014/main" id="{DFDB686A-58D8-24EB-1293-51ED298A9A9F}"/>
+                </a:ext>
+              </a:extLst>
+            </p:cNvPr>
+            <p:cNvGrpSpPr/>
+            <p:nvPr/>
+          </p:nvGrpSpPr>
+          <p:grpSpPr>
+            <a:xfrm>
+              <a:off x="2449790" y="1001122"/>
+              <a:ext cx="1314801" cy="1010148"/>
+              <a:chOff x="2449790" y="1001122"/>
+              <a:chExt cx="1314801" cy="1010148"/>
+            </a:xfrm>
+          </p:grpSpPr>
+          <p:sp>
+            <p:nvSpPr>
+              <p:cNvPr id="23" name="文本框 22">
+                <a:extLst>
+                  <a:ext uri="{FF2B5EF4-FFF2-40B4-BE49-F238E27FC236}">
+                    <a16:creationId xmlns:a16="http://schemas.microsoft.com/office/drawing/2014/main" id="{E3ACD36B-2EE5-FC76-11D3-0CE747CE7044}"/>
+                  </a:ext>
+                </a:extLst>
+              </p:cNvPr>
+              <p:cNvSpPr txBox="1">
+                <a:spLocks/>
+              </p:cNvSpPr>
+              <p:nvPr/>
+            </p:nvSpPr>
+            <p:spPr>
+              <a:xfrm>
+                <a:off x="2449790" y="1001123"/>
+                <a:ext cx="1231234" cy="338554"/>
+              </a:xfrm>
+              <a:prstGeom prst="rect">
+                <a:avLst/>
+              </a:prstGeom>
+              <a:noFill/>
+            </p:spPr>
+            <p:txBody>
+              <a:bodyPr wrap="none" rtlCol="0">
+                <a:spAutoFit/>
+              </a:bodyPr>
+              <a:lstStyle/>
+              <a:p>
+                <a:r>
+                  <a:rPr lang="en-US" altLang="zh-CN" sz="1600" b="1" dirty="0">
+                    <a:latin typeface="Calibri" panose="020F0502020204030204" pitchFamily="34" charset="0"/>
+                    <a:ea typeface="等线" panose="02010600030101010101" pitchFamily="2" charset="-122"/>
+                    <a:cs typeface="Calibri" panose="020F0502020204030204" pitchFamily="34" charset="0"/>
+                  </a:rPr>
+                  <a:t>Local PDOPs</a:t>
+                </a:r>
+                <a:endParaRPr lang="zh-CN" altLang="en-US" sz="1600" b="1" dirty="0">
+                  <a:latin typeface="Calibri" panose="020F0502020204030204" pitchFamily="34" charset="0"/>
+                  <a:ea typeface="等线" panose="02010600030101010101" pitchFamily="2" charset="-122"/>
+                  <a:cs typeface="Calibri" panose="020F0502020204030204" pitchFamily="34" charset="0"/>
+                </a:endParaRPr>
+              </a:p>
+            </p:txBody>
+          </p:sp>
+          <p:pic>
+            <p:nvPicPr>
+              <p:cNvPr id="24" name="图形 23" descr="云 轮廓">
+                <a:extLst>
+                  <a:ext uri="{FF2B5EF4-FFF2-40B4-BE49-F238E27FC236}">
+                    <a16:creationId xmlns:a16="http://schemas.microsoft.com/office/drawing/2014/main" id="{2F0165E3-69EF-DEA3-06A0-91AA75FD88F6}"/>
+                  </a:ext>
+                </a:extLst>
+              </p:cNvPr>
+              <p:cNvPicPr>
+                <a:picLocks noChangeAspect="1"/>
+              </p:cNvPicPr>
+              <p:nvPr/>
+            </p:nvPicPr>
+            <p:blipFill>
+              <a:blip r:embed="rId4">
+                <a:extLst>
+                  <a:ext uri="{28A0092B-C50C-407E-A947-70E740481C1C}">
+                    <a14:useLocalDpi xmlns:a14="http://schemas.microsoft.com/office/drawing/2010/main" val="0"/>
+                  </a:ext>
+                  <a:ext uri="{96DAC541-7B7A-43D3-8B79-37D633B846F1}">
+                    <asvg:svgBlip xmlns:asvg="http://schemas.microsoft.com/office/drawing/2016/SVG/main" r:embed="rId5"/>
+                  </a:ext>
+                </a:extLst>
+              </a:blip>
+              <a:stretch>
+                <a:fillRect/>
+              </a:stretch>
+            </p:blipFill>
+            <p:spPr>
+              <a:xfrm>
+                <a:off x="2674828" y="1096870"/>
+                <a:ext cx="914400" cy="914400"/>
+              </a:xfrm>
+              <a:prstGeom prst="rect">
+                <a:avLst/>
+              </a:prstGeom>
+            </p:spPr>
+          </p:pic>
+          <p:sp>
+            <p:nvSpPr>
+              <p:cNvPr id="25" name="矩形 24">
+                <a:extLst>
+                  <a:ext uri="{FF2B5EF4-FFF2-40B4-BE49-F238E27FC236}">
+                    <a16:creationId xmlns:a16="http://schemas.microsoft.com/office/drawing/2014/main" id="{45404FDF-74EA-7F36-A718-F933271CCDA3}"/>
+                  </a:ext>
+                </a:extLst>
+              </p:cNvPr>
+              <p:cNvSpPr>
+                <a:spLocks/>
+              </p:cNvSpPr>
+              <p:nvPr/>
+            </p:nvSpPr>
+            <p:spPr>
+              <a:xfrm>
+                <a:off x="2499466" y="1001122"/>
+                <a:ext cx="1265125" cy="1010148"/>
+              </a:xfrm>
+              <a:prstGeom prst="rect">
+                <a:avLst/>
+              </a:prstGeom>
+              <a:noFill/>
+              <a:ln>
+                <a:noFill/>
+              </a:ln>
+            </p:spPr>
+            <p:style>
+              <a:lnRef idx="2">
+                <a:schemeClr val="accent1">
+                  <a:shade val="50000"/>
+                </a:schemeClr>
+              </a:lnRef>
+              <a:fillRef idx="1">
+                <a:schemeClr val="accent1"/>
+              </a:fillRef>
+              <a:effectRef idx="0">
+                <a:schemeClr val="accent1"/>
+              </a:effectRef>
+              <a:fontRef idx="minor">
+                <a:schemeClr val="lt1"/>
+              </a:fontRef>
+            </p:style>
+            <p:txBody>
+              <a:bodyPr rtlCol="0" anchor="ctr"/>
+              <a:lstStyle/>
+              <a:p>
+                <a:pPr algn="ctr"/>
+                <a:endParaRPr lang="zh-CN" altLang="en-US" dirty="0">
+                  <a:latin typeface="Calibri" panose="020F0502020204030204" pitchFamily="34" charset="0"/>
+                  <a:ea typeface="等线" panose="02010600030101010101" pitchFamily="2" charset="-122"/>
+                  <a:cs typeface="Calibri" panose="020F0502020204030204" pitchFamily="34" charset="0"/>
+                </a:endParaRPr>
+              </a:p>
+            </p:txBody>
+          </p:sp>
+        </p:grpSp>
+        <p:cxnSp>
+          <p:nvCxnSpPr>
+            <p:cNvPr id="21" name="直接箭头连接符 20">
+              <a:extLst>
+                <a:ext uri="{FF2B5EF4-FFF2-40B4-BE49-F238E27FC236}">
+                  <a16:creationId xmlns:a16="http://schemas.microsoft.com/office/drawing/2014/main" id="{28E8B384-773B-F9C0-F34D-62F124454BA3}"/>
+                </a:ext>
+              </a:extLst>
+            </p:cNvPr>
+            <p:cNvCxnSpPr>
+              <a:cxnSpLocks/>
+              <a:stCxn id="19" idx="1"/>
+            </p:cNvCxnSpPr>
+            <p:nvPr/>
+          </p:nvCxnSpPr>
+          <p:spPr>
+            <a:xfrm flipH="1">
+              <a:off x="3496657" y="2921424"/>
+              <a:ext cx="211877" cy="0"/>
+            </a:xfrm>
+            <a:prstGeom prst="straightConnector1">
+              <a:avLst/>
+            </a:prstGeom>
+            <a:ln w="19050">
+              <a:tailEnd type="triangle"/>
+            </a:ln>
+          </p:spPr>
+          <p:style>
+            <a:lnRef idx="1">
+              <a:schemeClr val="dk1"/>
+            </a:lnRef>
+            <a:fillRef idx="0">
+              <a:schemeClr val="dk1"/>
+            </a:fillRef>
+            <a:effectRef idx="0">
+              <a:schemeClr val="dk1"/>
+            </a:effectRef>
+            <a:fontRef idx="minor">
+              <a:schemeClr val="tx1"/>
+            </a:fontRef>
+          </p:style>
+        </p:cxnSp>
+        <p:cxnSp>
+          <p:nvCxnSpPr>
+            <p:cNvPr id="22" name="直接箭头连接符 21">
+              <a:extLst>
+                <a:ext uri="{FF2B5EF4-FFF2-40B4-BE49-F238E27FC236}">
+                  <a16:creationId xmlns:a16="http://schemas.microsoft.com/office/drawing/2014/main" id="{464B7F4C-9EB6-7F64-5B83-95D2F69A7F36}"/>
+                </a:ext>
+              </a:extLst>
+            </p:cNvPr>
+            <p:cNvCxnSpPr>
+              <a:cxnSpLocks/>
+              <a:endCxn id="19" idx="3"/>
+            </p:cNvCxnSpPr>
+            <p:nvPr/>
+          </p:nvCxnSpPr>
+          <p:spPr>
+            <a:xfrm flipH="1">
+              <a:off x="4819733" y="2921424"/>
+              <a:ext cx="191363" cy="0"/>
+            </a:xfrm>
+            <a:prstGeom prst="straightConnector1">
+              <a:avLst/>
+            </a:prstGeom>
+            <a:ln w="19050">
+              <a:tailEnd type="triangle"/>
+            </a:ln>
+          </p:spPr>
+          <p:style>
+            <a:lnRef idx="1">
+              <a:schemeClr val="dk1"/>
+            </a:lnRef>
+            <a:fillRef idx="0">
+              <a:schemeClr val="dk1"/>
+            </a:fillRef>
+            <a:effectRef idx="0">
+              <a:schemeClr val="dk1"/>
+            </a:effectRef>
+            <a:fontRef idx="minor">
+              <a:schemeClr val="tx1"/>
+            </a:fontRef>
+          </p:style>
+        </p:cxnSp>
+      </p:grpSp>
+    </p:spTree>
+    <p:extLst>
+      <p:ext uri="{BB962C8B-B14F-4D97-AF65-F5344CB8AC3E}">
+        <p14:creationId xmlns:p14="http://schemas.microsoft.com/office/powerpoint/2010/main" val="2209711044"/>
+      </p:ext>
+    </p:extLst>
+  </p:cSld>
+  <p:clrMapOvr>
+    <a:masterClrMapping/>
+  </p:clrMapOvr>
+</p:sld>
+</file>
+
+<file path=ppt/slides/slide3.xml><?xml version="1.0" encoding="utf-8"?>
+<p:sld xmlns:a="http://schemas.openxmlformats.org/drawingml/2006/main" xmlns:r="http://schemas.openxmlformats.org/officeDocument/2006/relationships" xmlns:p="http://schemas.openxmlformats.org/presentationml/2006/main">
+  <p:cSld>
+    <p:spTree>
+      <p:nvGrpSpPr>
+        <p:cNvPr id="1" name=""/>
+        <p:cNvGrpSpPr/>
+        <p:nvPr/>
+      </p:nvGrpSpPr>
+      <p:grpSpPr>
+        <a:xfrm>
+          <a:off x="0" y="0"/>
+          <a:ext cx="0" cy="0"/>
+          <a:chOff x="0" y="0"/>
+          <a:chExt cx="0" cy="0"/>
+        </a:xfrm>
+      </p:grpSpPr>
+      <p:grpSp>
+        <p:nvGrpSpPr>
+          <p:cNvPr id="4" name="组合 3">
+            <a:extLst>
+              <a:ext uri="{FF2B5EF4-FFF2-40B4-BE49-F238E27FC236}">
                 <a16:creationId xmlns:a16="http://schemas.microsoft.com/office/drawing/2014/main" id="{9AE60698-BCAD-D5AE-8D59-3E20A59F6F1B}"/>
               </a:ext>
             </a:extLst>
@@ -6355,7 +8211,7 @@
 </p:sld>
 </file>
 
-<file path=ppt/slides/slide3.xml><?xml version="1.0" encoding="utf-8"?>
+<file path=ppt/slides/slide4.xml><?xml version="1.0" encoding="utf-8"?>
 <p:sld xmlns:a="http://schemas.openxmlformats.org/drawingml/2006/main" xmlns:r="http://schemas.openxmlformats.org/officeDocument/2006/relationships" xmlns:p="http://schemas.openxmlformats.org/presentationml/2006/main">
   <p:cSld>
     <p:spTree>

--- a/experiments/plots.pptx
+++ b/experiments/plots.pptx
@@ -262,7 +262,7 @@
           <a:p>
             <a:fld id="{920D06D6-37DF-4148-A103-6D26D785D127}" type="datetimeFigureOut">
               <a:rPr lang="zh-CN" altLang="en-US" smtClean="0"/>
-              <a:t>2023/8/25</a:t>
+              <a:t>2023/8/30</a:t>
             </a:fld>
             <a:endParaRPr lang="zh-CN" altLang="en-US"/>
           </a:p>
@@ -460,7 +460,7 @@
           <a:p>
             <a:fld id="{920D06D6-37DF-4148-A103-6D26D785D127}" type="datetimeFigureOut">
               <a:rPr lang="zh-CN" altLang="en-US" smtClean="0"/>
-              <a:t>2023/8/25</a:t>
+              <a:t>2023/8/30</a:t>
             </a:fld>
             <a:endParaRPr lang="zh-CN" altLang="en-US"/>
           </a:p>
@@ -668,7 +668,7 @@
           <a:p>
             <a:fld id="{920D06D6-37DF-4148-A103-6D26D785D127}" type="datetimeFigureOut">
               <a:rPr lang="zh-CN" altLang="en-US" smtClean="0"/>
-              <a:t>2023/8/25</a:t>
+              <a:t>2023/8/30</a:t>
             </a:fld>
             <a:endParaRPr lang="zh-CN" altLang="en-US"/>
           </a:p>
@@ -866,7 +866,7 @@
           <a:p>
             <a:fld id="{920D06D6-37DF-4148-A103-6D26D785D127}" type="datetimeFigureOut">
               <a:rPr lang="zh-CN" altLang="en-US" smtClean="0"/>
-              <a:t>2023/8/25</a:t>
+              <a:t>2023/8/30</a:t>
             </a:fld>
             <a:endParaRPr lang="zh-CN" altLang="en-US"/>
           </a:p>
@@ -1141,7 +1141,7 @@
           <a:p>
             <a:fld id="{920D06D6-37DF-4148-A103-6D26D785D127}" type="datetimeFigureOut">
               <a:rPr lang="zh-CN" altLang="en-US" smtClean="0"/>
-              <a:t>2023/8/25</a:t>
+              <a:t>2023/8/30</a:t>
             </a:fld>
             <a:endParaRPr lang="zh-CN" altLang="en-US"/>
           </a:p>
@@ -1406,7 +1406,7 @@
           <a:p>
             <a:fld id="{920D06D6-37DF-4148-A103-6D26D785D127}" type="datetimeFigureOut">
               <a:rPr lang="zh-CN" altLang="en-US" smtClean="0"/>
-              <a:t>2023/8/25</a:t>
+              <a:t>2023/8/30</a:t>
             </a:fld>
             <a:endParaRPr lang="zh-CN" altLang="en-US"/>
           </a:p>
@@ -1818,7 +1818,7 @@
           <a:p>
             <a:fld id="{920D06D6-37DF-4148-A103-6D26D785D127}" type="datetimeFigureOut">
               <a:rPr lang="zh-CN" altLang="en-US" smtClean="0"/>
-              <a:t>2023/8/25</a:t>
+              <a:t>2023/8/30</a:t>
             </a:fld>
             <a:endParaRPr lang="zh-CN" altLang="en-US"/>
           </a:p>
@@ -1959,7 +1959,7 @@
           <a:p>
             <a:fld id="{920D06D6-37DF-4148-A103-6D26D785D127}" type="datetimeFigureOut">
               <a:rPr lang="zh-CN" altLang="en-US" smtClean="0"/>
-              <a:t>2023/8/25</a:t>
+              <a:t>2023/8/30</a:t>
             </a:fld>
             <a:endParaRPr lang="zh-CN" altLang="en-US"/>
           </a:p>
@@ -2072,7 +2072,7 @@
           <a:p>
             <a:fld id="{920D06D6-37DF-4148-A103-6D26D785D127}" type="datetimeFigureOut">
               <a:rPr lang="zh-CN" altLang="en-US" smtClean="0"/>
-              <a:t>2023/8/25</a:t>
+              <a:t>2023/8/30</a:t>
             </a:fld>
             <a:endParaRPr lang="zh-CN" altLang="en-US"/>
           </a:p>
@@ -2383,7 +2383,7 @@
           <a:p>
             <a:fld id="{920D06D6-37DF-4148-A103-6D26D785D127}" type="datetimeFigureOut">
               <a:rPr lang="zh-CN" altLang="en-US" smtClean="0"/>
-              <a:t>2023/8/25</a:t>
+              <a:t>2023/8/30</a:t>
             </a:fld>
             <a:endParaRPr lang="zh-CN" altLang="en-US"/>
           </a:p>
@@ -2671,7 +2671,7 @@
           <a:p>
             <a:fld id="{920D06D6-37DF-4148-A103-6D26D785D127}" type="datetimeFigureOut">
               <a:rPr lang="zh-CN" altLang="en-US" smtClean="0"/>
-              <a:t>2023/8/25</a:t>
+              <a:t>2023/8/30</a:t>
             </a:fld>
             <a:endParaRPr lang="zh-CN" altLang="en-US"/>
           </a:p>
@@ -2912,7 +2912,7 @@
           <a:p>
             <a:fld id="{920D06D6-37DF-4148-A103-6D26D785D127}" type="datetimeFigureOut">
               <a:rPr lang="zh-CN" altLang="en-US" smtClean="0"/>
-              <a:t>2023/8/25</a:t>
+              <a:t>2023/8/30</a:t>
             </a:fld>
             <a:endParaRPr lang="zh-CN" altLang="en-US"/>
           </a:p>
@@ -8278,8 +8278,8 @@
         </p:nvSpPr>
         <p:spPr>
           <a:xfrm>
-            <a:off x="1481595" y="2967335"/>
-            <a:ext cx="9228809" cy="923330"/>
+            <a:off x="2177298" y="2967335"/>
+            <a:ext cx="7837402" cy="923330"/>
           </a:xfrm>
           <a:prstGeom prst="rect">
             <a:avLst/>
@@ -8294,7 +8294,7 @@
           <a:p>
             <a:pPr algn="ctr"/>
             <a:r>
-              <a:rPr lang="zh-CN" altLang="en-US" sz="5400" b="1" cap="none" spc="0" dirty="0">
+              <a:rPr lang="zh-CN" altLang="en-US" sz="5400" b="1" cap="none" spc="0">
                 <a:ln w="22225">
                   <a:solidFill>
                     <a:schemeClr val="accent6"/>
@@ -8311,7 +8311,7 @@
                 <a:latin typeface="方正粗黑宋简体" panose="02000000000000000000" pitchFamily="2" charset="-122"/>
                 <a:ea typeface="方正粗黑宋简体" panose="02000000000000000000" pitchFamily="2" charset="-122"/>
               </a:rPr>
-              <a:t>各地公共数据一站式搜索平台</a:t>
+              <a:t>全国公共数据一站式搜索</a:t>
             </a:r>
             <a:endParaRPr lang="zh-CN" altLang="en-US" sz="5400" b="1" cap="none" spc="0" dirty="0">
               <a:ln w="22225">
